--- a/Intel_Bug_Detection_Fixing_Project_Presentation(P.C).pptx
+++ b/Intel_Bug_Detection_Fixing_Project_Presentation(P.C).pptx
@@ -4833,27 +4833,40 @@
           <a:lstStyle/>
           <a:p>
             <a:r>
+              <a:rPr dirty="0"/>
               <a:t>1. Select a Programming Language</a:t>
             </a:r>
           </a:p>
           <a:p>
             <a:r>
+              <a:rPr dirty="0"/>
               <a:t>2. Enter Code</a:t>
             </a:r>
           </a:p>
           <a:p>
             <a:r>
+              <a:rPr dirty="0"/>
               <a:t>3. Click 'Detect &amp; Fix Bug'</a:t>
             </a:r>
           </a:p>
           <a:p>
             <a:r>
+              <a:rPr dirty="0"/>
               <a:t>4. View Fixed Code</a:t>
             </a:r>
           </a:p>
           <a:p>
             <a:r>
-              <a:t>5. Download Fixed Code</a:t>
+              <a:rPr dirty="0"/>
+              <a:t>5. </a:t>
+            </a:r>
+            <a:r>
+              <a:rPr lang="en-US" dirty="0"/>
+              <a:t>Copy</a:t>
+            </a:r>
+            <a:r>
+              <a:rPr dirty="0"/>
+              <a:t> Fixed Code</a:t>
             </a:r>
           </a:p>
         </p:txBody>

--- a/Intel_Bug_Detection_Fixing_Project_Presentation(P.C).pptx
+++ b/Intel_Bug_Detection_Fixing_Project_Presentation(P.C).pptx
@@ -4083,7 +4083,7 @@
         <p:spPr/>
         <p:txBody>
           <a:bodyPr>
-            <a:normAutofit fontScale="55000" lnSpcReduction="20000"/>
+            <a:normAutofit fontScale="47500" lnSpcReduction="20000"/>
           </a:bodyPr>
           <a:lstStyle/>
           <a:p>
@@ -4163,13 +4163,29 @@
           <a:p>
             <a:r>
               <a:rPr lang="en-IN" dirty="0"/>
-              <a:t>│── Documentation.pdf        → Project report/documentation  </a:t>
-            </a:r>
-          </a:p>
-          <a:p>
+              <a:t>│── </a:t>
+            </a:r>
+            <a:r>
+              <a:rPr lang="en-US" dirty="0"/>
+              <a:t>Bug_Detection_and_Fixing[1].docx</a:t>
+            </a:r>
             <a:r>
               <a:rPr lang="en-IN" dirty="0"/>
-              <a:t>│── Presentation.pptx        → Project presentation slides  </a:t>
+              <a:t>        → Project report/documentation  </a:t>
+            </a:r>
+          </a:p>
+          <a:p>
+            <a:r>
+              <a:rPr lang="en-IN" dirty="0"/>
+              <a:t>│── </a:t>
+            </a:r>
+            <a:r>
+              <a:rPr lang="en-US" dirty="0"/>
+              <a:t>Intel_Bug_Detection_Fixing_Project_Presentation(P.C).pptx </a:t>
+            </a:r>
+            <a:r>
+              <a:rPr lang="en-IN" dirty="0"/>
+              <a:t>       → Project presentation slides  </a:t>
             </a:r>
           </a:p>
           <a:p>
